--- a/Módulo 05 - Navegação entre telas/Módulo V - Navegação entre Telas.pptx
+++ b/Módulo 05 - Navegação entre telas/Módulo V - Navegação entre Telas.pptx
@@ -160,8 +160,7 @@
 <file path=ppt/revisionInfo.xml><?xml version="1.0" encoding="utf-8"?>
 <p1510:revInfo xmlns:a="http://schemas.openxmlformats.org/drawingml/2006/main" xmlns:r="http://schemas.openxmlformats.org/officeDocument/2006/relationships" xmlns:p1510="http://schemas.microsoft.com/office/powerpoint/2015/10/main">
   <p1510:revLst>
-    <p1510:client id="{67A22081-DB11-46B3-CEC9-0ED4925E5161}" v="168" dt="2024-11-20T13:04:59.240"/>
-    <p1510:client id="{BB432BAB-E5A3-B730-C65C-501AAF609D25}" v="311" dt="2024-11-19T23:32:44.979"/>
+    <p1510:client id="{132687BA-8E50-FAEE-3287-093E0F8C6DFB}" v="2" dt="2024-12-06T20:07:22.490"/>
   </p1510:revLst>
 </p1510:revInfo>
 </file>
@@ -346,7 +345,7 @@
             <a:fld id="{1D8BD707-D9CF-40AE-B4C6-C98DA3205C09}" type="datetimeFigureOut">
               <a:rPr lang="en-US" smtClean="0"/>
               <a:pPr/>
-              <a:t>11/20/2024</a:t>
+              <a:t>12/6/2024</a:t>
             </a:fld>
             <a:endParaRPr lang="en-US"/>
           </a:p>
@@ -511,7 +510,7 @@
             <a:fld id="{1D8BD707-D9CF-40AE-B4C6-C98DA3205C09}" type="datetimeFigureOut">
               <a:rPr lang="en-US" smtClean="0"/>
               <a:pPr/>
-              <a:t>11/20/2024</a:t>
+              <a:t>12/6/2024</a:t>
             </a:fld>
             <a:endParaRPr lang="en-US"/>
           </a:p>
@@ -686,7 +685,7 @@
             <a:fld id="{1D8BD707-D9CF-40AE-B4C6-C98DA3205C09}" type="datetimeFigureOut">
               <a:rPr lang="en-US" smtClean="0"/>
               <a:pPr/>
-              <a:t>11/20/2024</a:t>
+              <a:t>12/6/2024</a:t>
             </a:fld>
             <a:endParaRPr lang="en-US"/>
           </a:p>
@@ -851,7 +850,7 @@
             <a:fld id="{1D8BD707-D9CF-40AE-B4C6-C98DA3205C09}" type="datetimeFigureOut">
               <a:rPr lang="en-US" smtClean="0"/>
               <a:pPr/>
-              <a:t>11/20/2024</a:t>
+              <a:t>12/6/2024</a:t>
             </a:fld>
             <a:endParaRPr lang="en-US"/>
           </a:p>
@@ -1093,7 +1092,7 @@
             <a:fld id="{1D8BD707-D9CF-40AE-B4C6-C98DA3205C09}" type="datetimeFigureOut">
               <a:rPr lang="en-US" smtClean="0"/>
               <a:pPr/>
-              <a:t>11/20/2024</a:t>
+              <a:t>12/6/2024</a:t>
             </a:fld>
             <a:endParaRPr lang="en-US"/>
           </a:p>
@@ -1375,7 +1374,7 @@
             <a:fld id="{1D8BD707-D9CF-40AE-B4C6-C98DA3205C09}" type="datetimeFigureOut">
               <a:rPr lang="en-US" smtClean="0"/>
               <a:pPr/>
-              <a:t>11/20/2024</a:t>
+              <a:t>12/6/2024</a:t>
             </a:fld>
             <a:endParaRPr lang="en-US"/>
           </a:p>
@@ -1791,7 +1790,7 @@
             <a:fld id="{1D8BD707-D9CF-40AE-B4C6-C98DA3205C09}" type="datetimeFigureOut">
               <a:rPr lang="en-US" smtClean="0"/>
               <a:pPr/>
-              <a:t>11/20/2024</a:t>
+              <a:t>12/6/2024</a:t>
             </a:fld>
             <a:endParaRPr lang="en-US"/>
           </a:p>
@@ -1905,7 +1904,7 @@
             <a:fld id="{1D8BD707-D9CF-40AE-B4C6-C98DA3205C09}" type="datetimeFigureOut">
               <a:rPr lang="en-US" smtClean="0"/>
               <a:pPr/>
-              <a:t>11/20/2024</a:t>
+              <a:t>12/6/2024</a:t>
             </a:fld>
             <a:endParaRPr lang="en-US"/>
           </a:p>
@@ -1997,7 +1996,7 @@
             <a:fld id="{1D8BD707-D9CF-40AE-B4C6-C98DA3205C09}" type="datetimeFigureOut">
               <a:rPr lang="en-US" smtClean="0"/>
               <a:pPr/>
-              <a:t>11/20/2024</a:t>
+              <a:t>12/6/2024</a:t>
             </a:fld>
             <a:endParaRPr lang="en-US"/>
           </a:p>
@@ -2269,7 +2268,7 @@
             <a:fld id="{1D8BD707-D9CF-40AE-B4C6-C98DA3205C09}" type="datetimeFigureOut">
               <a:rPr lang="en-US" smtClean="0"/>
               <a:pPr/>
-              <a:t>11/20/2024</a:t>
+              <a:t>12/6/2024</a:t>
             </a:fld>
             <a:endParaRPr lang="en-US"/>
           </a:p>
@@ -2518,7 +2517,7 @@
             <a:fld id="{1D8BD707-D9CF-40AE-B4C6-C98DA3205C09}" type="datetimeFigureOut">
               <a:rPr lang="en-US" smtClean="0"/>
               <a:pPr/>
-              <a:t>11/20/2024</a:t>
+              <a:t>12/6/2024</a:t>
             </a:fld>
             <a:endParaRPr lang="en-US"/>
           </a:p>
@@ -2726,7 +2725,7 @@
             <a:fld id="{1D8BD707-D9CF-40AE-B4C6-C98DA3205C09}" type="datetimeFigureOut">
               <a:rPr lang="en-US" smtClean="0"/>
               <a:pPr/>
-              <a:t>11/20/2024</a:t>
+              <a:t>12/6/2024</a:t>
             </a:fld>
             <a:endParaRPr lang="en-US"/>
           </a:p>
@@ -7877,6 +7876,101 @@
           </a:prstGeom>
         </p:spPr>
       </p:pic>
+      <p:sp>
+        <p:nvSpPr>
+          <p:cNvPr id="5" name="TextBox 13">
+            <a:extLst>
+              <a:ext uri="{FF2B5EF4-FFF2-40B4-BE49-F238E27FC236}">
+                <a16:creationId xmlns:a16="http://schemas.microsoft.com/office/drawing/2014/main" id="{9DCBEC71-893B-2647-A5EC-2EDD1E995DBA}"/>
+              </a:ext>
+            </a:extLst>
+          </p:cNvPr>
+          <p:cNvSpPr txBox="1"/>
+          <p:nvPr/>
+        </p:nvSpPr>
+        <p:spPr>
+          <a:xfrm>
+            <a:off x="5145066" y="274007"/>
+            <a:ext cx="8115300" cy="1615827"/>
+          </a:xfrm>
+          <a:prstGeom prst="rect">
+            <a:avLst/>
+          </a:prstGeom>
+        </p:spPr>
+        <p:txBody>
+          <a:bodyPr wrap="square" lIns="0" tIns="0" rIns="0" bIns="0" rtlCol="0" anchor="t">
+            <a:spAutoFit/>
+          </a:bodyPr>
+          <a:lstStyle/>
+          <a:p>
+            <a:pPr algn="ctr">
+              <a:lnSpc>
+                <a:spcPts val="6300"/>
+              </a:lnSpc>
+            </a:pPr>
+            <a:r>
+              <a:rPr lang="en-US" sz="5000" spc="300" dirty="0">
+                <a:solidFill>
+                  <a:srgbClr val="2B4A9D"/>
+                </a:solidFill>
+                <a:latin typeface="Poppins Ultra-Bold"/>
+              </a:rPr>
+              <a:t>O </a:t>
+            </a:r>
+            <a:r>
+              <a:rPr lang="en-US" sz="5000" spc="300" dirty="0" err="1">
+                <a:solidFill>
+                  <a:srgbClr val="2B4A9D"/>
+                </a:solidFill>
+                <a:latin typeface="Poppins Ultra-Bold"/>
+              </a:rPr>
+              <a:t>uso</a:t>
+            </a:r>
+            <a:r>
+              <a:rPr lang="en-US" sz="5000" spc="300" dirty="0">
+                <a:solidFill>
+                  <a:srgbClr val="2B4A9D"/>
+                </a:solidFill>
+                <a:latin typeface="Poppins Ultra-Bold"/>
+              </a:rPr>
+              <a:t> de </a:t>
+            </a:r>
+            <a:r>
+              <a:rPr lang="en-US" sz="5000" spc="300" dirty="0" err="1">
+                <a:solidFill>
+                  <a:srgbClr val="2B4A9D"/>
+                </a:solidFill>
+                <a:latin typeface="Poppins Ultra-Bold"/>
+              </a:rPr>
+              <a:t>Rotas</a:t>
+            </a:r>
+            <a:r>
+              <a:rPr lang="en-US" sz="5000" spc="300" dirty="0">
+                <a:solidFill>
+                  <a:srgbClr val="2B4A9D"/>
+                </a:solidFill>
+                <a:latin typeface="Poppins Ultra-Bold"/>
+              </a:rPr>
+              <a:t> </a:t>
+            </a:r>
+            <a:r>
+              <a:rPr lang="en-US" sz="5000" spc="300" dirty="0" err="1">
+                <a:solidFill>
+                  <a:srgbClr val="2B4A9D"/>
+                </a:solidFill>
+                <a:latin typeface="Poppins Ultra-Bold"/>
+              </a:rPr>
+              <a:t>Nomeadas</a:t>
+            </a:r>
+            <a:endParaRPr lang="en-US" sz="5000" spc="300" dirty="0">
+              <a:solidFill>
+                <a:srgbClr val="2B4A9D"/>
+              </a:solidFill>
+              <a:latin typeface="Poppins Ultra-Bold"/>
+            </a:endParaRPr>
+          </a:p>
+        </p:txBody>
+      </p:sp>
     </p:spTree>
     <p:extLst>
       <p:ext uri="{BB962C8B-B14F-4D97-AF65-F5344CB8AC3E}">
